--- a/SDP-I/Hospital Management/Hospital Management  System.pptx
+++ b/SDP-I/Hospital Management/Hospital Management  System.pptx
@@ -3641,7 +3641,7 @@
 <dgm:dataModel xmlns:dgm="http://schemas.openxmlformats.org/drawingml/2006/diagram" xmlns:a="http://schemas.openxmlformats.org/drawingml/2006/main">
   <dgm:ptLst>
     <dgm:pt modelId="{7FBABEA4-1DA6-4E07-BD03-AE02C2070AD0}" type="doc">
-      <dgm:prSet loTypeId="urn:microsoft.com/office/officeart/2005/8/layout/default" loCatId="list" qsTypeId="urn:microsoft.com/office/officeart/2005/8/quickstyle/simple4" qsCatId="simple" csTypeId="urn:microsoft.com/office/officeart/2005/8/colors/accent0_3" csCatId="mainScheme"/>
+      <dgm:prSet loTypeId="urn:microsoft.com/office/officeart/2005/8/layout/default" loCatId="list" qsTypeId="urn:microsoft.com/office/officeart/2005/8/quickstyle/simple4" qsCatId="simple" csTypeId="urn:microsoft.com/office/officeart/2005/8/colors/accent0_3" csCatId="mainScheme" phldr="1"/>
       <dgm:spPr/>
       <dgm:t>
         <a:bodyPr/>
@@ -3659,7 +3659,7 @@
         <a:lstStyle/>
         <a:p>
           <a:r>
-            <a:rPr lang="en-US"/>
+            <a:rPr lang="en-US" dirty="0"/>
             <a:t>Adding Patients</a:t>
           </a:r>
         </a:p>
@@ -3731,7 +3731,7 @@
         <a:lstStyle/>
         <a:p>
           <a:r>
-            <a:rPr lang="en-US"/>
+            <a:rPr lang="en-US" dirty="0"/>
             <a:t>Scheduling Appointments</a:t>
           </a:r>
         </a:p>
@@ -3749,42 +3749,6 @@
       </dgm:t>
     </dgm:pt>
     <dgm:pt modelId="{BE6A74F8-DC54-4AE0-A75F-E3F9DB3EBE4A}" type="sibTrans" cxnId="{3614E7D1-1FBA-48A2-A6C0-329534D37071}">
-      <dgm:prSet/>
-      <dgm:spPr/>
-      <dgm:t>
-        <a:bodyPr/>
-        <a:lstStyle/>
-        <a:p>
-          <a:endParaRPr lang="en-US"/>
-        </a:p>
-      </dgm:t>
-    </dgm:pt>
-    <dgm:pt modelId="{5D2CC773-D8C4-41A0-B184-415B77BAE75F}">
-      <dgm:prSet/>
-      <dgm:spPr/>
-      <dgm:t>
-        <a:bodyPr/>
-        <a:lstStyle/>
-        <a:p>
-          <a:r>
-            <a:rPr lang="en-US"/>
-            <a:t>Schedule appointments with doctors and patients</a:t>
-          </a:r>
-        </a:p>
-      </dgm:t>
-    </dgm:pt>
-    <dgm:pt modelId="{7434DC29-B8E5-4065-AFE7-4B7A009FFAD5}" type="parTrans" cxnId="{6A0E7743-FB85-4688-8F77-583F5696825C}">
-      <dgm:prSet/>
-      <dgm:spPr/>
-      <dgm:t>
-        <a:bodyPr/>
-        <a:lstStyle/>
-        <a:p>
-          <a:endParaRPr lang="en-US"/>
-        </a:p>
-      </dgm:t>
-    </dgm:pt>
-    <dgm:pt modelId="{61B69F8D-3C16-426D-999D-483D68F7FB48}" type="sibTrans" cxnId="{6A0E7743-FB85-4688-8F77-583F5696825C}">
       <dgm:prSet/>
       <dgm:spPr/>
       <dgm:t>
@@ -3839,7 +3803,7 @@
         <a:lstStyle/>
         <a:p>
           <a:r>
-            <a:rPr lang="en-US"/>
+            <a:rPr lang="en-US" dirty="0"/>
             <a:t>View list of scheduled appointments with details</a:t>
           </a:r>
         </a:p>
@@ -3875,7 +3839,7 @@
         <a:lstStyle/>
         <a:p>
           <a:r>
-            <a:rPr lang="en-US"/>
+            <a:rPr lang="en-US" dirty="0"/>
             <a:t>Adding Medical Records</a:t>
           </a:r>
         </a:p>
@@ -3911,7 +3875,7 @@
         <a:lstStyle/>
         <a:p>
           <a:r>
-            <a:rPr lang="en-US"/>
+            <a:rPr lang="en-US" dirty="0"/>
             <a:t>Add medical records for patients</a:t>
           </a:r>
         </a:p>
@@ -3947,7 +3911,7 @@
         <a:lstStyle/>
         <a:p>
           <a:r>
-            <a:rPr lang="en-US"/>
+            <a:rPr lang="en-US" dirty="0"/>
             <a:t>Displaying Medical Records</a:t>
           </a:r>
         </a:p>
@@ -3983,7 +3947,7 @@
         <a:lstStyle/>
         <a:p>
           <a:r>
-            <a:rPr lang="en-US"/>
+            <a:rPr lang="en-US" dirty="0"/>
             <a:t>View medical records based on unique IDs</a:t>
           </a:r>
         </a:p>
@@ -4021,7 +3985,7 @@
       <dgm:spPr/>
     </dgm:pt>
     <dgm:pt modelId="{7D50F1F6-EBA6-4AEF-9FCB-31CA7437F74B}" type="pres">
-      <dgm:prSet presAssocID="{8D5CFE18-3D54-4798-81C4-2C83373659FF}" presName="node" presStyleLbl="node1" presStyleIdx="0" presStyleCnt="10">
+      <dgm:prSet presAssocID="{8D5CFE18-3D54-4798-81C4-2C83373659FF}" presName="node" presStyleLbl="node1" presStyleIdx="0" presStyleCnt="9" custLinFactX="9891" custLinFactNeighborX="100000">
         <dgm:presLayoutVars>
           <dgm:bulletEnabled val="1"/>
         </dgm:presLayoutVars>
@@ -4033,7 +3997,7 @@
       <dgm:spPr/>
     </dgm:pt>
     <dgm:pt modelId="{5FD51BFD-8D38-4BAD-A18D-8FCC74D62C92}" type="pres">
-      <dgm:prSet presAssocID="{0A4914EA-B5C0-41F1-9426-438B53397B82}" presName="node" presStyleLbl="node1" presStyleIdx="1" presStyleCnt="10">
+      <dgm:prSet presAssocID="{0A4914EA-B5C0-41F1-9426-438B53397B82}" presName="node" presStyleLbl="node1" presStyleIdx="1" presStyleCnt="9" custLinFactX="-10126" custLinFactNeighborX="-100000" custLinFactNeighborY="395">
         <dgm:presLayoutVars>
           <dgm:bulletEnabled val="1"/>
         </dgm:presLayoutVars>
@@ -4045,7 +4009,7 @@
       <dgm:spPr/>
     </dgm:pt>
     <dgm:pt modelId="{B90CEADD-A779-48DA-9882-2FCF8CC1B7C9}" type="pres">
-      <dgm:prSet presAssocID="{8BA3EAF9-0472-4463-BC8F-142D0643F6A8}" presName="node" presStyleLbl="node1" presStyleIdx="2" presStyleCnt="10">
+      <dgm:prSet presAssocID="{8BA3EAF9-0472-4463-BC8F-142D0643F6A8}" presName="node" presStyleLbl="node1" presStyleIdx="2" presStyleCnt="9">
         <dgm:presLayoutVars>
           <dgm:bulletEnabled val="1"/>
         </dgm:presLayoutVars>
@@ -4056,20 +4020,8 @@
       <dgm:prSet presAssocID="{BE6A74F8-DC54-4AE0-A75F-E3F9DB3EBE4A}" presName="sibTrans" presStyleCnt="0"/>
       <dgm:spPr/>
     </dgm:pt>
-    <dgm:pt modelId="{4E5CEF1D-18F2-4337-B69F-CF1D0B7186B9}" type="pres">
-      <dgm:prSet presAssocID="{5D2CC773-D8C4-41A0-B184-415B77BAE75F}" presName="node" presStyleLbl="node1" presStyleIdx="3" presStyleCnt="10">
-        <dgm:presLayoutVars>
-          <dgm:bulletEnabled val="1"/>
-        </dgm:presLayoutVars>
-      </dgm:prSet>
-      <dgm:spPr/>
-    </dgm:pt>
-    <dgm:pt modelId="{D13703A7-163F-447D-B647-D5897E60A355}" type="pres">
-      <dgm:prSet presAssocID="{61B69F8D-3C16-426D-999D-483D68F7FB48}" presName="sibTrans" presStyleCnt="0"/>
-      <dgm:spPr/>
-    </dgm:pt>
     <dgm:pt modelId="{EB4BFE92-47DF-474E-A890-871CDE337BA0}" type="pres">
-      <dgm:prSet presAssocID="{261AE3EE-C864-4C26-87E2-4DE5F2654D1F}" presName="node" presStyleLbl="node1" presStyleIdx="4" presStyleCnt="10">
+      <dgm:prSet presAssocID="{261AE3EE-C864-4C26-87E2-4DE5F2654D1F}" presName="node" presStyleLbl="node1" presStyleIdx="3" presStyleCnt="9">
         <dgm:presLayoutVars>
           <dgm:bulletEnabled val="1"/>
         </dgm:presLayoutVars>
@@ -4081,7 +4033,7 @@
       <dgm:spPr/>
     </dgm:pt>
     <dgm:pt modelId="{0B3F8972-54D9-44F1-BFD3-8625B8A4091C}" type="pres">
-      <dgm:prSet presAssocID="{E72D868B-706E-4384-A52D-AB1F8E28C48C}" presName="node" presStyleLbl="node1" presStyleIdx="5" presStyleCnt="10">
+      <dgm:prSet presAssocID="{E72D868B-706E-4384-A52D-AB1F8E28C48C}" presName="node" presStyleLbl="node1" presStyleIdx="4" presStyleCnt="9">
         <dgm:presLayoutVars>
           <dgm:bulletEnabled val="1"/>
         </dgm:presLayoutVars>
@@ -4093,7 +4045,7 @@
       <dgm:spPr/>
     </dgm:pt>
     <dgm:pt modelId="{88B41D1B-050F-46D4-901A-B2584C031047}" type="pres">
-      <dgm:prSet presAssocID="{52C4A8EE-34BD-4308-8AA5-22759405C050}" presName="node" presStyleLbl="node1" presStyleIdx="6" presStyleCnt="10">
+      <dgm:prSet presAssocID="{52C4A8EE-34BD-4308-8AA5-22759405C050}" presName="node" presStyleLbl="node1" presStyleIdx="5" presStyleCnt="9">
         <dgm:presLayoutVars>
           <dgm:bulletEnabled val="1"/>
         </dgm:presLayoutVars>
@@ -4105,7 +4057,7 @@
       <dgm:spPr/>
     </dgm:pt>
     <dgm:pt modelId="{BE3EAD59-F8B9-4F41-8934-5CC619C926EC}" type="pres">
-      <dgm:prSet presAssocID="{6702E1FC-B383-4CBE-B714-FA0D73A3746D}" presName="node" presStyleLbl="node1" presStyleIdx="7" presStyleCnt="10">
+      <dgm:prSet presAssocID="{6702E1FC-B383-4CBE-B714-FA0D73A3746D}" presName="node" presStyleLbl="node1" presStyleIdx="6" presStyleCnt="9">
         <dgm:presLayoutVars>
           <dgm:bulletEnabled val="1"/>
         </dgm:presLayoutVars>
@@ -4117,7 +4069,7 @@
       <dgm:spPr/>
     </dgm:pt>
     <dgm:pt modelId="{2418C4D6-AE17-43E0-B26B-1B18A516EABD}" type="pres">
-      <dgm:prSet presAssocID="{3715E5E5-F3DC-4D90-A437-95954B29C7E1}" presName="node" presStyleLbl="node1" presStyleIdx="8" presStyleCnt="10">
+      <dgm:prSet presAssocID="{3715E5E5-F3DC-4D90-A437-95954B29C7E1}" presName="node" presStyleLbl="node1" presStyleIdx="7" presStyleCnt="9">
         <dgm:presLayoutVars>
           <dgm:bulletEnabled val="1"/>
         </dgm:presLayoutVars>
@@ -4129,7 +4081,7 @@
       <dgm:spPr/>
     </dgm:pt>
     <dgm:pt modelId="{72313738-CE64-4C94-B2C9-C6C02A3A6076}" type="pres">
-      <dgm:prSet presAssocID="{92ED6E00-42AB-42A9-B886-D2D9822206C3}" presName="node" presStyleLbl="node1" presStyleIdx="9" presStyleCnt="10">
+      <dgm:prSet presAssocID="{92ED6E00-42AB-42A9-B886-D2D9822206C3}" presName="node" presStyleLbl="node1" presStyleIdx="8" presStyleCnt="9">
         <dgm:presLayoutVars>
           <dgm:bulletEnabled val="1"/>
         </dgm:presLayoutVars>
@@ -4139,25 +4091,23 @@
   </dgm:ptLst>
   <dgm:cxnLst>
     <dgm:cxn modelId="{51505311-F3A7-4B9C-A7E1-3670C7B48A8C}" type="presOf" srcId="{3715E5E5-F3DC-4D90-A437-95954B29C7E1}" destId="{2418C4D6-AE17-43E0-B26B-1B18A516EABD}" srcOrd="0" destOrd="0" presId="urn:microsoft.com/office/officeart/2005/8/layout/default"/>
-    <dgm:cxn modelId="{F923F21C-FED2-4807-AA15-646CEC9BBDA9}" srcId="{7FBABEA4-1DA6-4E07-BD03-AE02C2070AD0}" destId="{6702E1FC-B383-4CBE-B714-FA0D73A3746D}" srcOrd="7" destOrd="0" parTransId="{3FF61A07-878D-4E53-B073-59ABCA6A7647}" sibTransId="{FABF8396-3ECF-4BA9-B95B-8098EBA2A8C7}"/>
+    <dgm:cxn modelId="{F923F21C-FED2-4807-AA15-646CEC9BBDA9}" srcId="{7FBABEA4-1DA6-4E07-BD03-AE02C2070AD0}" destId="{6702E1FC-B383-4CBE-B714-FA0D73A3746D}" srcOrd="6" destOrd="0" parTransId="{3FF61A07-878D-4E53-B073-59ABCA6A7647}" sibTransId="{FABF8396-3ECF-4BA9-B95B-8098EBA2A8C7}"/>
     <dgm:cxn modelId="{21D8BD1F-8280-4E53-86A1-E37439E28D63}" type="presOf" srcId="{E72D868B-706E-4384-A52D-AB1F8E28C48C}" destId="{0B3F8972-54D9-44F1-BFD3-8625B8A4091C}" srcOrd="0" destOrd="0" presId="urn:microsoft.com/office/officeart/2005/8/layout/default"/>
     <dgm:cxn modelId="{83561130-FE52-488D-924A-A3D42D9DCDF4}" srcId="{7FBABEA4-1DA6-4E07-BD03-AE02C2070AD0}" destId="{0A4914EA-B5C0-41F1-9426-438B53397B82}" srcOrd="1" destOrd="0" parTransId="{BA1D725F-B28B-4E54-848C-98E382FE1A75}" sibTransId="{F9FF0B4A-3FA2-414C-8CA5-78419F2CEFD1}"/>
-    <dgm:cxn modelId="{4A539132-BDBC-4390-A036-699E859F8DAE}" srcId="{7FBABEA4-1DA6-4E07-BD03-AE02C2070AD0}" destId="{52C4A8EE-34BD-4308-8AA5-22759405C050}" srcOrd="6" destOrd="0" parTransId="{A9C24604-5280-4B7F-9593-3DEA0F0FA3D0}" sibTransId="{021D1EBB-421B-4874-809C-5A8578BFDF05}"/>
-    <dgm:cxn modelId="{76601E37-9429-4064-9092-77D3BC9A038E}" srcId="{7FBABEA4-1DA6-4E07-BD03-AE02C2070AD0}" destId="{92ED6E00-42AB-42A9-B886-D2D9822206C3}" srcOrd="9" destOrd="0" parTransId="{C57A89D9-11BA-40E4-B4D6-704B7F678F88}" sibTransId="{989BB914-0306-436F-8E0D-478D7EB85FED}"/>
+    <dgm:cxn modelId="{4A539132-BDBC-4390-A036-699E859F8DAE}" srcId="{7FBABEA4-1DA6-4E07-BD03-AE02C2070AD0}" destId="{52C4A8EE-34BD-4308-8AA5-22759405C050}" srcOrd="5" destOrd="0" parTransId="{A9C24604-5280-4B7F-9593-3DEA0F0FA3D0}" sibTransId="{021D1EBB-421B-4874-809C-5A8578BFDF05}"/>
+    <dgm:cxn modelId="{76601E37-9429-4064-9092-77D3BC9A038E}" srcId="{7FBABEA4-1DA6-4E07-BD03-AE02C2070AD0}" destId="{92ED6E00-42AB-42A9-B886-D2D9822206C3}" srcOrd="8" destOrd="0" parTransId="{C57A89D9-11BA-40E4-B4D6-704B7F678F88}" sibTransId="{989BB914-0306-436F-8E0D-478D7EB85FED}"/>
     <dgm:cxn modelId="{EE7F3138-B794-4497-929B-D5BBC101B8A6}" type="presOf" srcId="{52C4A8EE-34BD-4308-8AA5-22759405C050}" destId="{88B41D1B-050F-46D4-901A-B2584C031047}" srcOrd="0" destOrd="0" presId="urn:microsoft.com/office/officeart/2005/8/layout/default"/>
     <dgm:cxn modelId="{59B71F43-0FC8-421C-96FF-D9D6AEEA93DA}" type="presOf" srcId="{261AE3EE-C864-4C26-87E2-4DE5F2654D1F}" destId="{EB4BFE92-47DF-474E-A890-871CDE337BA0}" srcOrd="0" destOrd="0" presId="urn:microsoft.com/office/officeart/2005/8/layout/default"/>
-    <dgm:cxn modelId="{6A0E7743-FB85-4688-8F77-583F5696825C}" srcId="{7FBABEA4-1DA6-4E07-BD03-AE02C2070AD0}" destId="{5D2CC773-D8C4-41A0-B184-415B77BAE75F}" srcOrd="3" destOrd="0" parTransId="{7434DC29-B8E5-4065-AFE7-4B7A009FFAD5}" sibTransId="{61B69F8D-3C16-426D-999D-483D68F7FB48}"/>
-    <dgm:cxn modelId="{82AEF368-F86D-4770-B168-6EAB538BCD35}" type="presOf" srcId="{5D2CC773-D8C4-41A0-B184-415B77BAE75F}" destId="{4E5CEF1D-18F2-4337-B69F-CF1D0B7186B9}" srcOrd="0" destOrd="0" presId="urn:microsoft.com/office/officeart/2005/8/layout/default"/>
     <dgm:cxn modelId="{75953671-849C-423F-8B99-D803B4D1BE5F}" type="presOf" srcId="{92ED6E00-42AB-42A9-B886-D2D9822206C3}" destId="{72313738-CE64-4C94-B2C9-C6C02A3A6076}" srcOrd="0" destOrd="0" presId="urn:microsoft.com/office/officeart/2005/8/layout/default"/>
-    <dgm:cxn modelId="{0511A784-9120-4B02-B64C-A10B40BECCE9}" srcId="{7FBABEA4-1DA6-4E07-BD03-AE02C2070AD0}" destId="{261AE3EE-C864-4C26-87E2-4DE5F2654D1F}" srcOrd="4" destOrd="0" parTransId="{506AC43E-4B3C-4733-97D5-5C216867456F}" sibTransId="{20A3E31C-DEA3-4139-9D88-DF7BE8E406A4}"/>
+    <dgm:cxn modelId="{0511A784-9120-4B02-B64C-A10B40BECCE9}" srcId="{7FBABEA4-1DA6-4E07-BD03-AE02C2070AD0}" destId="{261AE3EE-C864-4C26-87E2-4DE5F2654D1F}" srcOrd="3" destOrd="0" parTransId="{506AC43E-4B3C-4733-97D5-5C216867456F}" sibTransId="{20A3E31C-DEA3-4139-9D88-DF7BE8E406A4}"/>
     <dgm:cxn modelId="{DE3DD585-005A-4D78-BF22-61B0C5FBBA79}" type="presOf" srcId="{8D5CFE18-3D54-4798-81C4-2C83373659FF}" destId="{7D50F1F6-EBA6-4AEF-9FCB-31CA7437F74B}" srcOrd="0" destOrd="0" presId="urn:microsoft.com/office/officeart/2005/8/layout/default"/>
     <dgm:cxn modelId="{96D0929F-9E51-431F-943F-3187EE92D5B6}" type="presOf" srcId="{8BA3EAF9-0472-4463-BC8F-142D0643F6A8}" destId="{B90CEADD-A779-48DA-9882-2FCF8CC1B7C9}" srcOrd="0" destOrd="0" presId="urn:microsoft.com/office/officeart/2005/8/layout/default"/>
     <dgm:cxn modelId="{F6733CAB-E294-498B-98C7-1BE020CD3F12}" type="presOf" srcId="{6702E1FC-B383-4CBE-B714-FA0D73A3746D}" destId="{BE3EAD59-F8B9-4F41-8934-5CC619C926EC}" srcOrd="0" destOrd="0" presId="urn:microsoft.com/office/officeart/2005/8/layout/default"/>
     <dgm:cxn modelId="{4E4FADC4-AA66-4647-BC27-280FCDB27EAE}" type="presOf" srcId="{0A4914EA-B5C0-41F1-9426-438B53397B82}" destId="{5FD51BFD-8D38-4BAD-A18D-8FCC74D62C92}" srcOrd="0" destOrd="0" presId="urn:microsoft.com/office/officeart/2005/8/layout/default"/>
     <dgm:cxn modelId="{3614E7D1-1FBA-48A2-A6C0-329534D37071}" srcId="{7FBABEA4-1DA6-4E07-BD03-AE02C2070AD0}" destId="{8BA3EAF9-0472-4463-BC8F-142D0643F6A8}" srcOrd="2" destOrd="0" parTransId="{D89F6F8C-B1E6-4063-87F7-4AB21C7ED894}" sibTransId="{BE6A74F8-DC54-4AE0-A75F-E3F9DB3EBE4A}"/>
     <dgm:cxn modelId="{0C3A26D9-342B-454F-98A5-09851D2E0884}" srcId="{7FBABEA4-1DA6-4E07-BD03-AE02C2070AD0}" destId="{8D5CFE18-3D54-4798-81C4-2C83373659FF}" srcOrd="0" destOrd="0" parTransId="{D30D3585-DCA4-44F5-B73F-7CFFAF224B4F}" sibTransId="{615A04E5-E604-4089-9BD0-1BFCF7B2773E}"/>
-    <dgm:cxn modelId="{EB1AD3DB-3D67-4A95-BD49-76A76C61CCB7}" srcId="{7FBABEA4-1DA6-4E07-BD03-AE02C2070AD0}" destId="{E72D868B-706E-4384-A52D-AB1F8E28C48C}" srcOrd="5" destOrd="0" parTransId="{A81F1F5D-CA73-44AD-BDA3-6BA96759BAC8}" sibTransId="{A7D67424-7306-455D-B326-F298C2616B81}"/>
-    <dgm:cxn modelId="{EA8BEDDC-E8E9-4251-90CF-75ED08AA5BF9}" srcId="{7FBABEA4-1DA6-4E07-BD03-AE02C2070AD0}" destId="{3715E5E5-F3DC-4D90-A437-95954B29C7E1}" srcOrd="8" destOrd="0" parTransId="{A6324E12-7C61-447B-9B99-6B20718F0340}" sibTransId="{7A4E831D-8318-41D1-A687-174003398DF3}"/>
+    <dgm:cxn modelId="{EB1AD3DB-3D67-4A95-BD49-76A76C61CCB7}" srcId="{7FBABEA4-1DA6-4E07-BD03-AE02C2070AD0}" destId="{E72D868B-706E-4384-A52D-AB1F8E28C48C}" srcOrd="4" destOrd="0" parTransId="{A81F1F5D-CA73-44AD-BDA3-6BA96759BAC8}" sibTransId="{A7D67424-7306-455D-B326-F298C2616B81}"/>
+    <dgm:cxn modelId="{EA8BEDDC-E8E9-4251-90CF-75ED08AA5BF9}" srcId="{7FBABEA4-1DA6-4E07-BD03-AE02C2070AD0}" destId="{3715E5E5-F3DC-4D90-A437-95954B29C7E1}" srcOrd="7" destOrd="0" parTransId="{A6324E12-7C61-447B-9B99-6B20718F0340}" sibTransId="{7A4E831D-8318-41D1-A687-174003398DF3}"/>
     <dgm:cxn modelId="{7E7304FD-A0BE-4A3D-85B7-693DA09D3D6D}" type="presOf" srcId="{7FBABEA4-1DA6-4E07-BD03-AE02C2070AD0}" destId="{BAC6888E-BADA-4FCD-8074-60F7F4001D3E}" srcOrd="0" destOrd="0" presId="urn:microsoft.com/office/officeart/2005/8/layout/default"/>
     <dgm:cxn modelId="{869AD70C-9BE1-4893-877F-9C0981C12EF9}" type="presParOf" srcId="{BAC6888E-BADA-4FCD-8074-60F7F4001D3E}" destId="{7D50F1F6-EBA6-4AEF-9FCB-31CA7437F74B}" srcOrd="0" destOrd="0" presId="urn:microsoft.com/office/officeart/2005/8/layout/default"/>
     <dgm:cxn modelId="{59AE51E9-B7C6-4F15-AA2C-DA60ADA5F667}" type="presParOf" srcId="{BAC6888E-BADA-4FCD-8074-60F7F4001D3E}" destId="{6136AFD6-604E-40F3-B67F-A2FF385CA8B9}" srcOrd="1" destOrd="0" presId="urn:microsoft.com/office/officeart/2005/8/layout/default"/>
@@ -4165,19 +4115,17 @@
     <dgm:cxn modelId="{48941869-FC9F-41CD-AD79-D25A50AAA12B}" type="presParOf" srcId="{BAC6888E-BADA-4FCD-8074-60F7F4001D3E}" destId="{8F6957D5-8E1B-4FBE-AB67-AC785938A0DD}" srcOrd="3" destOrd="0" presId="urn:microsoft.com/office/officeart/2005/8/layout/default"/>
     <dgm:cxn modelId="{BF83E4D4-86B0-4B41-8271-D2B2BFEE0E2D}" type="presParOf" srcId="{BAC6888E-BADA-4FCD-8074-60F7F4001D3E}" destId="{B90CEADD-A779-48DA-9882-2FCF8CC1B7C9}" srcOrd="4" destOrd="0" presId="urn:microsoft.com/office/officeart/2005/8/layout/default"/>
     <dgm:cxn modelId="{38F3EF44-F593-4876-909D-7983F9BD20E4}" type="presParOf" srcId="{BAC6888E-BADA-4FCD-8074-60F7F4001D3E}" destId="{D546F6BD-E912-4407-90E3-0AEAC9D5D3C5}" srcOrd="5" destOrd="0" presId="urn:microsoft.com/office/officeart/2005/8/layout/default"/>
-    <dgm:cxn modelId="{725289B2-F7BF-4C5C-AE2E-AE3EE9EA51F8}" type="presParOf" srcId="{BAC6888E-BADA-4FCD-8074-60F7F4001D3E}" destId="{4E5CEF1D-18F2-4337-B69F-CF1D0B7186B9}" srcOrd="6" destOrd="0" presId="urn:microsoft.com/office/officeart/2005/8/layout/default"/>
-    <dgm:cxn modelId="{32B3CF27-3CB6-4120-A36B-59F9A76BCA7D}" type="presParOf" srcId="{BAC6888E-BADA-4FCD-8074-60F7F4001D3E}" destId="{D13703A7-163F-447D-B647-D5897E60A355}" srcOrd="7" destOrd="0" presId="urn:microsoft.com/office/officeart/2005/8/layout/default"/>
-    <dgm:cxn modelId="{4D2D6031-30EA-4DAA-8DD5-2A7C5F7BF356}" type="presParOf" srcId="{BAC6888E-BADA-4FCD-8074-60F7F4001D3E}" destId="{EB4BFE92-47DF-474E-A890-871CDE337BA0}" srcOrd="8" destOrd="0" presId="urn:microsoft.com/office/officeart/2005/8/layout/default"/>
-    <dgm:cxn modelId="{9962DC69-09E9-41D1-B58F-6307222C2B04}" type="presParOf" srcId="{BAC6888E-BADA-4FCD-8074-60F7F4001D3E}" destId="{EB7CED81-9EFD-4AA7-AFBC-9ABDA9443235}" srcOrd="9" destOrd="0" presId="urn:microsoft.com/office/officeart/2005/8/layout/default"/>
-    <dgm:cxn modelId="{16C329B9-10F5-49F1-9C5B-7AE5BABF186E}" type="presParOf" srcId="{BAC6888E-BADA-4FCD-8074-60F7F4001D3E}" destId="{0B3F8972-54D9-44F1-BFD3-8625B8A4091C}" srcOrd="10" destOrd="0" presId="urn:microsoft.com/office/officeart/2005/8/layout/default"/>
-    <dgm:cxn modelId="{DA419FC4-9DCE-4466-B804-2A99CE6DB3C2}" type="presParOf" srcId="{BAC6888E-BADA-4FCD-8074-60F7F4001D3E}" destId="{CCF7C085-F46D-4BF7-9E32-3480E3C4884A}" srcOrd="11" destOrd="0" presId="urn:microsoft.com/office/officeart/2005/8/layout/default"/>
-    <dgm:cxn modelId="{724658D9-A376-43C6-86AE-D4CBAA7B59C7}" type="presParOf" srcId="{BAC6888E-BADA-4FCD-8074-60F7F4001D3E}" destId="{88B41D1B-050F-46D4-901A-B2584C031047}" srcOrd="12" destOrd="0" presId="urn:microsoft.com/office/officeart/2005/8/layout/default"/>
-    <dgm:cxn modelId="{3CDC134F-9BAF-4861-80D0-085415824EC6}" type="presParOf" srcId="{BAC6888E-BADA-4FCD-8074-60F7F4001D3E}" destId="{C28FF859-AA55-43A2-A837-D0F42E84502D}" srcOrd="13" destOrd="0" presId="urn:microsoft.com/office/officeart/2005/8/layout/default"/>
-    <dgm:cxn modelId="{54793B83-F704-4ACF-8E0C-140E0AB28784}" type="presParOf" srcId="{BAC6888E-BADA-4FCD-8074-60F7F4001D3E}" destId="{BE3EAD59-F8B9-4F41-8934-5CC619C926EC}" srcOrd="14" destOrd="0" presId="urn:microsoft.com/office/officeart/2005/8/layout/default"/>
-    <dgm:cxn modelId="{250369B3-8D08-4968-8F90-A6B5AE3A7E50}" type="presParOf" srcId="{BAC6888E-BADA-4FCD-8074-60F7F4001D3E}" destId="{33766D87-343A-4C56-A70D-AFEB830BA513}" srcOrd="15" destOrd="0" presId="urn:microsoft.com/office/officeart/2005/8/layout/default"/>
-    <dgm:cxn modelId="{C6E52A93-9DF9-47A7-B53D-0BEE135E1943}" type="presParOf" srcId="{BAC6888E-BADA-4FCD-8074-60F7F4001D3E}" destId="{2418C4D6-AE17-43E0-B26B-1B18A516EABD}" srcOrd="16" destOrd="0" presId="urn:microsoft.com/office/officeart/2005/8/layout/default"/>
-    <dgm:cxn modelId="{26A32D56-CF12-4336-BE0E-61522F2D9A6C}" type="presParOf" srcId="{BAC6888E-BADA-4FCD-8074-60F7F4001D3E}" destId="{93A5A7B7-560F-411F-B0B4-D272FA9D6E31}" srcOrd="17" destOrd="0" presId="urn:microsoft.com/office/officeart/2005/8/layout/default"/>
-    <dgm:cxn modelId="{943E9EF5-9F69-4F70-B680-9FAC69F8E91D}" type="presParOf" srcId="{BAC6888E-BADA-4FCD-8074-60F7F4001D3E}" destId="{72313738-CE64-4C94-B2C9-C6C02A3A6076}" srcOrd="18" destOrd="0" presId="urn:microsoft.com/office/officeart/2005/8/layout/default"/>
+    <dgm:cxn modelId="{4D2D6031-30EA-4DAA-8DD5-2A7C5F7BF356}" type="presParOf" srcId="{BAC6888E-BADA-4FCD-8074-60F7F4001D3E}" destId="{EB4BFE92-47DF-474E-A890-871CDE337BA0}" srcOrd="6" destOrd="0" presId="urn:microsoft.com/office/officeart/2005/8/layout/default"/>
+    <dgm:cxn modelId="{9962DC69-09E9-41D1-B58F-6307222C2B04}" type="presParOf" srcId="{BAC6888E-BADA-4FCD-8074-60F7F4001D3E}" destId="{EB7CED81-9EFD-4AA7-AFBC-9ABDA9443235}" srcOrd="7" destOrd="0" presId="urn:microsoft.com/office/officeart/2005/8/layout/default"/>
+    <dgm:cxn modelId="{16C329B9-10F5-49F1-9C5B-7AE5BABF186E}" type="presParOf" srcId="{BAC6888E-BADA-4FCD-8074-60F7F4001D3E}" destId="{0B3F8972-54D9-44F1-BFD3-8625B8A4091C}" srcOrd="8" destOrd="0" presId="urn:microsoft.com/office/officeart/2005/8/layout/default"/>
+    <dgm:cxn modelId="{DA419FC4-9DCE-4466-B804-2A99CE6DB3C2}" type="presParOf" srcId="{BAC6888E-BADA-4FCD-8074-60F7F4001D3E}" destId="{CCF7C085-F46D-4BF7-9E32-3480E3C4884A}" srcOrd="9" destOrd="0" presId="urn:microsoft.com/office/officeart/2005/8/layout/default"/>
+    <dgm:cxn modelId="{724658D9-A376-43C6-86AE-D4CBAA7B59C7}" type="presParOf" srcId="{BAC6888E-BADA-4FCD-8074-60F7F4001D3E}" destId="{88B41D1B-050F-46D4-901A-B2584C031047}" srcOrd="10" destOrd="0" presId="urn:microsoft.com/office/officeart/2005/8/layout/default"/>
+    <dgm:cxn modelId="{3CDC134F-9BAF-4861-80D0-085415824EC6}" type="presParOf" srcId="{BAC6888E-BADA-4FCD-8074-60F7F4001D3E}" destId="{C28FF859-AA55-43A2-A837-D0F42E84502D}" srcOrd="11" destOrd="0" presId="urn:microsoft.com/office/officeart/2005/8/layout/default"/>
+    <dgm:cxn modelId="{54793B83-F704-4ACF-8E0C-140E0AB28784}" type="presParOf" srcId="{BAC6888E-BADA-4FCD-8074-60F7F4001D3E}" destId="{BE3EAD59-F8B9-4F41-8934-5CC619C926EC}" srcOrd="12" destOrd="0" presId="urn:microsoft.com/office/officeart/2005/8/layout/default"/>
+    <dgm:cxn modelId="{250369B3-8D08-4968-8F90-A6B5AE3A7E50}" type="presParOf" srcId="{BAC6888E-BADA-4FCD-8074-60F7F4001D3E}" destId="{33766D87-343A-4C56-A70D-AFEB830BA513}" srcOrd="13" destOrd="0" presId="urn:microsoft.com/office/officeart/2005/8/layout/default"/>
+    <dgm:cxn modelId="{C6E52A93-9DF9-47A7-B53D-0BEE135E1943}" type="presParOf" srcId="{BAC6888E-BADA-4FCD-8074-60F7F4001D3E}" destId="{2418C4D6-AE17-43E0-B26B-1B18A516EABD}" srcOrd="14" destOrd="0" presId="urn:microsoft.com/office/officeart/2005/8/layout/default"/>
+    <dgm:cxn modelId="{26A32D56-CF12-4336-BE0E-61522F2D9A6C}" type="presParOf" srcId="{BAC6888E-BADA-4FCD-8074-60F7F4001D3E}" destId="{93A5A7B7-560F-411F-B0B4-D272FA9D6E31}" srcOrd="15" destOrd="0" presId="urn:microsoft.com/office/officeart/2005/8/layout/default"/>
+    <dgm:cxn modelId="{943E9EF5-9F69-4F70-B680-9FAC69F8E91D}" type="presParOf" srcId="{BAC6888E-BADA-4FCD-8074-60F7F4001D3E}" destId="{72313738-CE64-4C94-B2C9-C6C02A3A6076}" srcOrd="16" destOrd="0" presId="urn:microsoft.com/office/officeart/2005/8/layout/default"/>
   </dgm:cxnLst>
   <dgm:bg/>
   <dgm:whole/>
@@ -5123,8 +5071,8 @@
       </dsp:nvSpPr>
       <dsp:spPr>
         <a:xfrm>
-          <a:off x="2131" y="436991"/>
-          <a:ext cx="1690855" cy="1014513"/>
+          <a:off x="2571262" y="69"/>
+          <a:ext cx="2127778" cy="1276667"/>
         </a:xfrm>
         <a:prstGeom prst="rect">
           <a:avLst/>
@@ -5187,12 +5135,12 @@
         </a:fontRef>
       </dsp:style>
       <dsp:txBody>
-        <a:bodyPr spcFirstLastPara="0" vert="horz" wrap="square" lIns="60960" tIns="60960" rIns="60960" bIns="60960" numCol="1" spcCol="1270" anchor="ctr" anchorCtr="0">
+        <a:bodyPr spcFirstLastPara="0" vert="horz" wrap="square" lIns="76200" tIns="76200" rIns="76200" bIns="76200" numCol="1" spcCol="1270" anchor="ctr" anchorCtr="0">
           <a:noAutofit/>
         </a:bodyPr>
         <a:lstStyle/>
         <a:p>
-          <a:pPr marL="0" lvl="0" indent="0" algn="ctr" defTabSz="711200">
+          <a:pPr marL="0" lvl="0" indent="0" algn="ctr" defTabSz="889000">
             <a:lnSpc>
               <a:spcPct val="90000"/>
             </a:lnSpc>
@@ -5205,14 +5153,14 @@
             <a:buNone/>
           </a:pPr>
           <a:r>
-            <a:rPr lang="en-US" sz="1600" kern="1200"/>
+            <a:rPr lang="en-US" sz="2000" kern="1200" dirty="0"/>
             <a:t>Adding Patients</a:t>
           </a:r>
         </a:p>
       </dsp:txBody>
       <dsp:txXfrm>
-        <a:off x="2131" y="436991"/>
-        <a:ext cx="1690855" cy="1014513"/>
+        <a:off x="2571262" y="69"/>
+        <a:ext cx="2127778" cy="1276667"/>
       </dsp:txXfrm>
     </dsp:sp>
     <dsp:sp modelId="{5FD51BFD-8D38-4BAD-A18D-8FCC74D62C92}">
@@ -5222,8 +5170,8 @@
       </dsp:nvSpPr>
       <dsp:spPr>
         <a:xfrm>
-          <a:off x="1862072" y="436991"/>
-          <a:ext cx="1690855" cy="1014513"/>
+          <a:off x="230344" y="5111"/>
+          <a:ext cx="2127778" cy="1276667"/>
         </a:xfrm>
         <a:prstGeom prst="rect">
           <a:avLst/>
@@ -5286,12 +5234,12 @@
         </a:fontRef>
       </dsp:style>
       <dsp:txBody>
-        <a:bodyPr spcFirstLastPara="0" vert="horz" wrap="square" lIns="60960" tIns="60960" rIns="60960" bIns="60960" numCol="1" spcCol="1270" anchor="ctr" anchorCtr="0">
+        <a:bodyPr spcFirstLastPara="0" vert="horz" wrap="square" lIns="76200" tIns="76200" rIns="76200" bIns="76200" numCol="1" spcCol="1270" anchor="ctr" anchorCtr="0">
           <a:noAutofit/>
         </a:bodyPr>
         <a:lstStyle/>
         <a:p>
-          <a:pPr marL="0" lvl="0" indent="0" algn="ctr" defTabSz="711200">
+          <a:pPr marL="0" lvl="0" indent="0" algn="ctr" defTabSz="889000">
             <a:lnSpc>
               <a:spcPct val="90000"/>
             </a:lnSpc>
@@ -5304,14 +5252,14 @@
             <a:buNone/>
           </a:pPr>
           <a:r>
-            <a:rPr lang="en-US" sz="1600" kern="1200"/>
+            <a:rPr lang="en-US" sz="2000" kern="1200"/>
             <a:t>Collect patient details</a:t>
           </a:r>
         </a:p>
       </dsp:txBody>
       <dsp:txXfrm>
-        <a:off x="1862072" y="436991"/>
-        <a:ext cx="1690855" cy="1014513"/>
+        <a:off x="230344" y="5111"/>
+        <a:ext cx="2127778" cy="1276667"/>
       </dsp:txXfrm>
     </dsp:sp>
     <dsp:sp modelId="{B90CEADD-A779-48DA-9882-2FCF8CC1B7C9}">
@@ -5321,8 +5269,8 @@
       </dsp:nvSpPr>
       <dsp:spPr>
         <a:xfrm>
-          <a:off x="3722013" y="436991"/>
-          <a:ext cx="1690855" cy="1014513"/>
+          <a:off x="4914138" y="69"/>
+          <a:ext cx="2127778" cy="1276667"/>
         </a:xfrm>
         <a:prstGeom prst="rect">
           <a:avLst/>
@@ -5385,12 +5333,12 @@
         </a:fontRef>
       </dsp:style>
       <dsp:txBody>
-        <a:bodyPr spcFirstLastPara="0" vert="horz" wrap="square" lIns="60960" tIns="60960" rIns="60960" bIns="60960" numCol="1" spcCol="1270" anchor="ctr" anchorCtr="0">
+        <a:bodyPr spcFirstLastPara="0" vert="horz" wrap="square" lIns="76200" tIns="76200" rIns="76200" bIns="76200" numCol="1" spcCol="1270" anchor="ctr" anchorCtr="0">
           <a:noAutofit/>
         </a:bodyPr>
         <a:lstStyle/>
         <a:p>
-          <a:pPr marL="0" lvl="0" indent="0" algn="ctr" defTabSz="711200">
+          <a:pPr marL="0" lvl="0" indent="0" algn="ctr" defTabSz="889000">
             <a:lnSpc>
               <a:spcPct val="90000"/>
             </a:lnSpc>
@@ -5403,25 +5351,25 @@
             <a:buNone/>
           </a:pPr>
           <a:r>
-            <a:rPr lang="en-US" sz="1600" kern="1200"/>
+            <a:rPr lang="en-US" sz="2000" kern="1200" dirty="0"/>
             <a:t>Scheduling Appointments</a:t>
           </a:r>
         </a:p>
       </dsp:txBody>
       <dsp:txXfrm>
-        <a:off x="3722013" y="436991"/>
-        <a:ext cx="1690855" cy="1014513"/>
+        <a:off x="4914138" y="69"/>
+        <a:ext cx="2127778" cy="1276667"/>
       </dsp:txXfrm>
     </dsp:sp>
-    <dsp:sp modelId="{4E5CEF1D-18F2-4337-B69F-CF1D0B7186B9}">
+    <dsp:sp modelId="{EB4BFE92-47DF-474E-A890-871CDE337BA0}">
       <dsp:nvSpPr>
         <dsp:cNvPr id="0" name=""/>
         <dsp:cNvSpPr/>
       </dsp:nvSpPr>
       <dsp:spPr>
         <a:xfrm>
-          <a:off x="5581955" y="436991"/>
-          <a:ext cx="1690855" cy="1014513"/>
+          <a:off x="233025" y="1489513"/>
+          <a:ext cx="2127778" cy="1276667"/>
         </a:xfrm>
         <a:prstGeom prst="rect">
           <a:avLst/>
@@ -5484,12 +5432,12 @@
         </a:fontRef>
       </dsp:style>
       <dsp:txBody>
-        <a:bodyPr spcFirstLastPara="0" vert="horz" wrap="square" lIns="60960" tIns="60960" rIns="60960" bIns="60960" numCol="1" spcCol="1270" anchor="ctr" anchorCtr="0">
+        <a:bodyPr spcFirstLastPara="0" vert="horz" wrap="square" lIns="76200" tIns="76200" rIns="76200" bIns="76200" numCol="1" spcCol="1270" anchor="ctr" anchorCtr="0">
           <a:noAutofit/>
         </a:bodyPr>
         <a:lstStyle/>
         <a:p>
-          <a:pPr marL="0" lvl="0" indent="0" algn="ctr" defTabSz="711200">
+          <a:pPr marL="0" lvl="0" indent="0" algn="ctr" defTabSz="889000">
             <a:lnSpc>
               <a:spcPct val="90000"/>
             </a:lnSpc>
@@ -5502,25 +5450,25 @@
             <a:buNone/>
           </a:pPr>
           <a:r>
-            <a:rPr lang="en-US" sz="1600" kern="1200"/>
-            <a:t>Schedule appointments with doctors and patients</a:t>
+            <a:rPr lang="en-US" sz="2000" kern="1200"/>
+            <a:t>Displaying Appointments</a:t>
           </a:r>
         </a:p>
       </dsp:txBody>
       <dsp:txXfrm>
-        <a:off x="5581955" y="436991"/>
-        <a:ext cx="1690855" cy="1014513"/>
+        <a:off x="233025" y="1489513"/>
+        <a:ext cx="2127778" cy="1276667"/>
       </dsp:txXfrm>
     </dsp:sp>
-    <dsp:sp modelId="{EB4BFE92-47DF-474E-A890-871CDE337BA0}">
+    <dsp:sp modelId="{0B3F8972-54D9-44F1-BFD3-8625B8A4091C}">
       <dsp:nvSpPr>
         <dsp:cNvPr id="0" name=""/>
         <dsp:cNvSpPr/>
       </dsp:nvSpPr>
       <dsp:spPr>
         <a:xfrm>
-          <a:off x="2131" y="1620590"/>
-          <a:ext cx="1690855" cy="1014513"/>
+          <a:off x="2573581" y="1489513"/>
+          <a:ext cx="2127778" cy="1276667"/>
         </a:xfrm>
         <a:prstGeom prst="rect">
           <a:avLst/>
@@ -5583,12 +5531,12 @@
         </a:fontRef>
       </dsp:style>
       <dsp:txBody>
-        <a:bodyPr spcFirstLastPara="0" vert="horz" wrap="square" lIns="60960" tIns="60960" rIns="60960" bIns="60960" numCol="1" spcCol="1270" anchor="ctr" anchorCtr="0">
+        <a:bodyPr spcFirstLastPara="0" vert="horz" wrap="square" lIns="76200" tIns="76200" rIns="76200" bIns="76200" numCol="1" spcCol="1270" anchor="ctr" anchorCtr="0">
           <a:noAutofit/>
         </a:bodyPr>
         <a:lstStyle/>
         <a:p>
-          <a:pPr marL="0" lvl="0" indent="0" algn="ctr" defTabSz="711200">
+          <a:pPr marL="0" lvl="0" indent="0" algn="ctr" defTabSz="889000">
             <a:lnSpc>
               <a:spcPct val="90000"/>
             </a:lnSpc>
@@ -5601,25 +5549,25 @@
             <a:buNone/>
           </a:pPr>
           <a:r>
-            <a:rPr lang="en-US" sz="1600" kern="1200"/>
-            <a:t>Displaying Appointments</a:t>
+            <a:rPr lang="en-US" sz="2000" kern="1200" dirty="0"/>
+            <a:t>View list of scheduled appointments with details</a:t>
           </a:r>
         </a:p>
       </dsp:txBody>
       <dsp:txXfrm>
-        <a:off x="2131" y="1620590"/>
-        <a:ext cx="1690855" cy="1014513"/>
+        <a:off x="2573581" y="1489513"/>
+        <a:ext cx="2127778" cy="1276667"/>
       </dsp:txXfrm>
     </dsp:sp>
-    <dsp:sp modelId="{0B3F8972-54D9-44F1-BFD3-8625B8A4091C}">
+    <dsp:sp modelId="{88B41D1B-050F-46D4-901A-B2584C031047}">
       <dsp:nvSpPr>
         <dsp:cNvPr id="0" name=""/>
         <dsp:cNvSpPr/>
       </dsp:nvSpPr>
       <dsp:spPr>
         <a:xfrm>
-          <a:off x="1862072" y="1620590"/>
-          <a:ext cx="1690855" cy="1014513"/>
+          <a:off x="4914138" y="1489513"/>
+          <a:ext cx="2127778" cy="1276667"/>
         </a:xfrm>
         <a:prstGeom prst="rect">
           <a:avLst/>
@@ -5682,12 +5630,12 @@
         </a:fontRef>
       </dsp:style>
       <dsp:txBody>
-        <a:bodyPr spcFirstLastPara="0" vert="horz" wrap="square" lIns="60960" tIns="60960" rIns="60960" bIns="60960" numCol="1" spcCol="1270" anchor="ctr" anchorCtr="0">
+        <a:bodyPr spcFirstLastPara="0" vert="horz" wrap="square" lIns="76200" tIns="76200" rIns="76200" bIns="76200" numCol="1" spcCol="1270" anchor="ctr" anchorCtr="0">
           <a:noAutofit/>
         </a:bodyPr>
         <a:lstStyle/>
         <a:p>
-          <a:pPr marL="0" lvl="0" indent="0" algn="ctr" defTabSz="711200">
+          <a:pPr marL="0" lvl="0" indent="0" algn="ctr" defTabSz="889000">
             <a:lnSpc>
               <a:spcPct val="90000"/>
             </a:lnSpc>
@@ -5700,25 +5648,25 @@
             <a:buNone/>
           </a:pPr>
           <a:r>
-            <a:rPr lang="en-US" sz="1600" kern="1200"/>
-            <a:t>View list of scheduled appointments with details</a:t>
+            <a:rPr lang="en-US" sz="2000" kern="1200" dirty="0"/>
+            <a:t>Adding Medical Records</a:t>
           </a:r>
         </a:p>
       </dsp:txBody>
       <dsp:txXfrm>
-        <a:off x="1862072" y="1620590"/>
-        <a:ext cx="1690855" cy="1014513"/>
+        <a:off x="4914138" y="1489513"/>
+        <a:ext cx="2127778" cy="1276667"/>
       </dsp:txXfrm>
     </dsp:sp>
-    <dsp:sp modelId="{88B41D1B-050F-46D4-901A-B2584C031047}">
+    <dsp:sp modelId="{BE3EAD59-F8B9-4F41-8934-5CC619C926EC}">
       <dsp:nvSpPr>
         <dsp:cNvPr id="0" name=""/>
         <dsp:cNvSpPr/>
       </dsp:nvSpPr>
       <dsp:spPr>
         <a:xfrm>
-          <a:off x="3722013" y="1620590"/>
-          <a:ext cx="1690855" cy="1014513"/>
+          <a:off x="233025" y="2978958"/>
+          <a:ext cx="2127778" cy="1276667"/>
         </a:xfrm>
         <a:prstGeom prst="rect">
           <a:avLst/>
@@ -5781,12 +5729,12 @@
         </a:fontRef>
       </dsp:style>
       <dsp:txBody>
-        <a:bodyPr spcFirstLastPara="0" vert="horz" wrap="square" lIns="60960" tIns="60960" rIns="60960" bIns="60960" numCol="1" spcCol="1270" anchor="ctr" anchorCtr="0">
+        <a:bodyPr spcFirstLastPara="0" vert="horz" wrap="square" lIns="76200" tIns="76200" rIns="76200" bIns="76200" numCol="1" spcCol="1270" anchor="ctr" anchorCtr="0">
           <a:noAutofit/>
         </a:bodyPr>
         <a:lstStyle/>
         <a:p>
-          <a:pPr marL="0" lvl="0" indent="0" algn="ctr" defTabSz="711200">
+          <a:pPr marL="0" lvl="0" indent="0" algn="ctr" defTabSz="889000">
             <a:lnSpc>
               <a:spcPct val="90000"/>
             </a:lnSpc>
@@ -5799,25 +5747,25 @@
             <a:buNone/>
           </a:pPr>
           <a:r>
-            <a:rPr lang="en-US" sz="1600" kern="1200"/>
-            <a:t>Adding Medical Records</a:t>
+            <a:rPr lang="en-US" sz="2000" kern="1200" dirty="0"/>
+            <a:t>Add medical records for patients</a:t>
           </a:r>
         </a:p>
       </dsp:txBody>
       <dsp:txXfrm>
-        <a:off x="3722013" y="1620590"/>
-        <a:ext cx="1690855" cy="1014513"/>
+        <a:off x="233025" y="2978958"/>
+        <a:ext cx="2127778" cy="1276667"/>
       </dsp:txXfrm>
     </dsp:sp>
-    <dsp:sp modelId="{BE3EAD59-F8B9-4F41-8934-5CC619C926EC}">
+    <dsp:sp modelId="{2418C4D6-AE17-43E0-B26B-1B18A516EABD}">
       <dsp:nvSpPr>
         <dsp:cNvPr id="0" name=""/>
         <dsp:cNvSpPr/>
       </dsp:nvSpPr>
       <dsp:spPr>
         <a:xfrm>
-          <a:off x="5581955" y="1620590"/>
-          <a:ext cx="1690855" cy="1014513"/>
+          <a:off x="2573581" y="2978958"/>
+          <a:ext cx="2127778" cy="1276667"/>
         </a:xfrm>
         <a:prstGeom prst="rect">
           <a:avLst/>
@@ -5880,12 +5828,12 @@
         </a:fontRef>
       </dsp:style>
       <dsp:txBody>
-        <a:bodyPr spcFirstLastPara="0" vert="horz" wrap="square" lIns="60960" tIns="60960" rIns="60960" bIns="60960" numCol="1" spcCol="1270" anchor="ctr" anchorCtr="0">
+        <a:bodyPr spcFirstLastPara="0" vert="horz" wrap="square" lIns="76200" tIns="76200" rIns="76200" bIns="76200" numCol="1" spcCol="1270" anchor="ctr" anchorCtr="0">
           <a:noAutofit/>
         </a:bodyPr>
         <a:lstStyle/>
         <a:p>
-          <a:pPr marL="0" lvl="0" indent="0" algn="ctr" defTabSz="711200">
+          <a:pPr marL="0" lvl="0" indent="0" algn="ctr" defTabSz="889000">
             <a:lnSpc>
               <a:spcPct val="90000"/>
             </a:lnSpc>
@@ -5898,25 +5846,25 @@
             <a:buNone/>
           </a:pPr>
           <a:r>
-            <a:rPr lang="en-US" sz="1600" kern="1200"/>
-            <a:t>Add medical records for patients</a:t>
+            <a:rPr lang="en-US" sz="2000" kern="1200" dirty="0"/>
+            <a:t>Displaying Medical Records</a:t>
           </a:r>
         </a:p>
       </dsp:txBody>
       <dsp:txXfrm>
-        <a:off x="5581955" y="1620590"/>
-        <a:ext cx="1690855" cy="1014513"/>
+        <a:off x="2573581" y="2978958"/>
+        <a:ext cx="2127778" cy="1276667"/>
       </dsp:txXfrm>
     </dsp:sp>
-    <dsp:sp modelId="{2418C4D6-AE17-43E0-B26B-1B18A516EABD}">
+    <dsp:sp modelId="{72313738-CE64-4C94-B2C9-C6C02A3A6076}">
       <dsp:nvSpPr>
         <dsp:cNvPr id="0" name=""/>
         <dsp:cNvSpPr/>
       </dsp:nvSpPr>
       <dsp:spPr>
         <a:xfrm>
-          <a:off x="1862072" y="2804189"/>
-          <a:ext cx="1690855" cy="1014513"/>
+          <a:off x="4914138" y="2978958"/>
+          <a:ext cx="2127778" cy="1276667"/>
         </a:xfrm>
         <a:prstGeom prst="rect">
           <a:avLst/>
@@ -5979,12 +5927,12 @@
         </a:fontRef>
       </dsp:style>
       <dsp:txBody>
-        <a:bodyPr spcFirstLastPara="0" vert="horz" wrap="square" lIns="60960" tIns="60960" rIns="60960" bIns="60960" numCol="1" spcCol="1270" anchor="ctr" anchorCtr="0">
+        <a:bodyPr spcFirstLastPara="0" vert="horz" wrap="square" lIns="76200" tIns="76200" rIns="76200" bIns="76200" numCol="1" spcCol="1270" anchor="ctr" anchorCtr="0">
           <a:noAutofit/>
         </a:bodyPr>
         <a:lstStyle/>
         <a:p>
-          <a:pPr marL="0" lvl="0" indent="0" algn="ctr" defTabSz="711200">
+          <a:pPr marL="0" lvl="0" indent="0" algn="ctr" defTabSz="889000">
             <a:lnSpc>
               <a:spcPct val="90000"/>
             </a:lnSpc>
@@ -5997,113 +5945,14 @@
             <a:buNone/>
           </a:pPr>
           <a:r>
-            <a:rPr lang="en-US" sz="1600" kern="1200"/>
-            <a:t>Displaying Medical Records</a:t>
-          </a:r>
-        </a:p>
-      </dsp:txBody>
-      <dsp:txXfrm>
-        <a:off x="1862072" y="2804189"/>
-        <a:ext cx="1690855" cy="1014513"/>
-      </dsp:txXfrm>
-    </dsp:sp>
-    <dsp:sp modelId="{72313738-CE64-4C94-B2C9-C6C02A3A6076}">
-      <dsp:nvSpPr>
-        <dsp:cNvPr id="0" name=""/>
-        <dsp:cNvSpPr/>
-      </dsp:nvSpPr>
-      <dsp:spPr>
-        <a:xfrm>
-          <a:off x="3722013" y="2804189"/>
-          <a:ext cx="1690855" cy="1014513"/>
-        </a:xfrm>
-        <a:prstGeom prst="rect">
-          <a:avLst/>
-        </a:prstGeom>
-        <a:gradFill rotWithShape="0">
-          <a:gsLst>
-            <a:gs pos="0">
-              <a:schemeClr val="dk2">
-                <a:hueOff val="0"/>
-                <a:satOff val="0"/>
-                <a:lumOff val="0"/>
-                <a:alphaOff val="0"/>
-                <a:satMod val="103000"/>
-                <a:lumMod val="102000"/>
-                <a:tint val="94000"/>
-              </a:schemeClr>
-            </a:gs>
-            <a:gs pos="50000">
-              <a:schemeClr val="dk2">
-                <a:hueOff val="0"/>
-                <a:satOff val="0"/>
-                <a:lumOff val="0"/>
-                <a:alphaOff val="0"/>
-                <a:satMod val="110000"/>
-                <a:lumMod val="100000"/>
-                <a:shade val="100000"/>
-              </a:schemeClr>
-            </a:gs>
-            <a:gs pos="100000">
-              <a:schemeClr val="dk2">
-                <a:hueOff val="0"/>
-                <a:satOff val="0"/>
-                <a:lumOff val="0"/>
-                <a:alphaOff val="0"/>
-                <a:lumMod val="99000"/>
-                <a:satMod val="120000"/>
-                <a:shade val="78000"/>
-              </a:schemeClr>
-            </a:gs>
-          </a:gsLst>
-          <a:lin ang="5400000" scaled="0"/>
-        </a:gradFill>
-        <a:ln>
-          <a:noFill/>
-        </a:ln>
-        <a:effectLst/>
-      </dsp:spPr>
-      <dsp:style>
-        <a:lnRef idx="0">
-          <a:scrgbClr r="0" g="0" b="0"/>
-        </a:lnRef>
-        <a:fillRef idx="3">
-          <a:scrgbClr r="0" g="0" b="0"/>
-        </a:fillRef>
-        <a:effectRef idx="2">
-          <a:scrgbClr r="0" g="0" b="0"/>
-        </a:effectRef>
-        <a:fontRef idx="minor">
-          <a:schemeClr val="lt1"/>
-        </a:fontRef>
-      </dsp:style>
-      <dsp:txBody>
-        <a:bodyPr spcFirstLastPara="0" vert="horz" wrap="square" lIns="60960" tIns="60960" rIns="60960" bIns="60960" numCol="1" spcCol="1270" anchor="ctr" anchorCtr="0">
-          <a:noAutofit/>
-        </a:bodyPr>
-        <a:lstStyle/>
-        <a:p>
-          <a:pPr marL="0" lvl="0" indent="0" algn="ctr" defTabSz="711200">
-            <a:lnSpc>
-              <a:spcPct val="90000"/>
-            </a:lnSpc>
-            <a:spcBef>
-              <a:spcPct val="0"/>
-            </a:spcBef>
-            <a:spcAft>
-              <a:spcPct val="35000"/>
-            </a:spcAft>
-            <a:buNone/>
-          </a:pPr>
-          <a:r>
-            <a:rPr lang="en-US" sz="1600" kern="1200"/>
+            <a:rPr lang="en-US" sz="2000" kern="1200" dirty="0"/>
             <a:t>View medical records based on unique IDs</a:t>
           </a:r>
         </a:p>
       </dsp:txBody>
       <dsp:txXfrm>
-        <a:off x="3722013" y="2804189"/>
-        <a:ext cx="1690855" cy="1014513"/>
+        <a:off x="4914138" y="2978958"/>
+        <a:ext cx="2127778" cy="1276667"/>
       </dsp:txXfrm>
     </dsp:sp>
   </dsp:spTree>
@@ -12410,7 +12259,7 @@
           <a:p>
             <a:fld id="{76969C88-B244-455D-A017-012B25B1ACDD}" type="datetimeFigureOut">
               <a:rPr lang="en-US" smtClean="0"/>
-              <a:t>8/19/2023</a:t>
+              <a:t>9/17/2023</a:t>
             </a:fld>
             <a:endParaRPr lang="en-US"/>
           </a:p>
@@ -12608,7 +12457,7 @@
           <a:p>
             <a:fld id="{76969C88-B244-455D-A017-012B25B1ACDD}" type="datetimeFigureOut">
               <a:rPr lang="en-US" smtClean="0"/>
-              <a:t>8/19/2023</a:t>
+              <a:t>9/17/2023</a:t>
             </a:fld>
             <a:endParaRPr lang="en-US"/>
           </a:p>
@@ -12816,7 +12665,7 @@
           <a:p>
             <a:fld id="{76969C88-B244-455D-A017-012B25B1ACDD}" type="datetimeFigureOut">
               <a:rPr lang="en-US" smtClean="0"/>
-              <a:t>8/19/2023</a:t>
+              <a:t>9/17/2023</a:t>
             </a:fld>
             <a:endParaRPr lang="en-US"/>
           </a:p>
@@ -13015,7 +12864,7 @@
           <a:p>
             <a:fld id="{76969C88-B244-455D-A017-012B25B1ACDD}" type="datetimeFigureOut">
               <a:rPr lang="en-US" smtClean="0"/>
-              <a:t>8/19/2023</a:t>
+              <a:t>9/17/2023</a:t>
             </a:fld>
             <a:endParaRPr lang="en-US"/>
           </a:p>
@@ -13290,7 +13139,7 @@
           <a:p>
             <a:fld id="{76969C88-B244-455D-A017-012B25B1ACDD}" type="datetimeFigureOut">
               <a:rPr lang="en-US" smtClean="0"/>
-              <a:t>8/19/2023</a:t>
+              <a:t>9/17/2023</a:t>
             </a:fld>
             <a:endParaRPr lang="en-US"/>
           </a:p>
@@ -13555,7 +13404,7 @@
           <a:p>
             <a:fld id="{76969C88-B244-455D-A017-012B25B1ACDD}" type="datetimeFigureOut">
               <a:rPr lang="en-US" smtClean="0"/>
-              <a:t>8/19/2023</a:t>
+              <a:t>9/17/2023</a:t>
             </a:fld>
             <a:endParaRPr lang="en-US"/>
           </a:p>
@@ -13967,7 +13816,7 @@
           <a:p>
             <a:fld id="{76969C88-B244-455D-A017-012B25B1ACDD}" type="datetimeFigureOut">
               <a:rPr lang="en-US" smtClean="0"/>
-              <a:t>8/19/2023</a:t>
+              <a:t>9/17/2023</a:t>
             </a:fld>
             <a:endParaRPr lang="en-US"/>
           </a:p>
@@ -14108,7 +13957,7 @@
           <a:p>
             <a:fld id="{76969C88-B244-455D-A017-012B25B1ACDD}" type="datetimeFigureOut">
               <a:rPr lang="en-US" smtClean="0"/>
-              <a:t>8/19/2023</a:t>
+              <a:t>9/17/2023</a:t>
             </a:fld>
             <a:endParaRPr lang="en-US"/>
           </a:p>
@@ -14221,7 +14070,7 @@
           <a:p>
             <a:fld id="{76969C88-B244-455D-A017-012B25B1ACDD}" type="datetimeFigureOut">
               <a:rPr lang="en-US" smtClean="0"/>
-              <a:t>8/19/2023</a:t>
+              <a:t>9/17/2023</a:t>
             </a:fld>
             <a:endParaRPr lang="en-US"/>
           </a:p>
@@ -14533,7 +14382,7 @@
           <a:p>
             <a:fld id="{76969C88-B244-455D-A017-012B25B1ACDD}" type="datetimeFigureOut">
               <a:rPr lang="en-US" smtClean="0"/>
-              <a:t>8/19/2023</a:t>
+              <a:t>9/17/2023</a:t>
             </a:fld>
             <a:endParaRPr lang="en-US"/>
           </a:p>
@@ -14824,7 +14673,7 @@
           <a:p>
             <a:fld id="{76969C88-B244-455D-A017-012B25B1ACDD}" type="datetimeFigureOut">
               <a:rPr lang="en-US" smtClean="0"/>
-              <a:t>8/19/2023</a:t>
+              <a:t>9/17/2023</a:t>
             </a:fld>
             <a:endParaRPr lang="en-US"/>
           </a:p>
@@ -15580,7 +15429,7 @@
             <a:fld id="{76969C88-B244-455D-A017-012B25B1ACDD}" type="datetimeFigureOut">
               <a:rPr lang="en-US" smtClean="0"/>
               <a:pPr/>
-              <a:t>8/19/2023</a:t>
+              <a:t>9/17/2023</a:t>
             </a:fld>
             <a:endParaRPr lang="en-US"/>
           </a:p>
@@ -16526,8 +16375,8 @@
         </p:nvSpPr>
         <p:spPr>
           <a:xfrm>
-            <a:off x="6858000" y="1524000"/>
-            <a:ext cx="4572000" cy="2286000"/>
+            <a:off x="5265940" y="410817"/>
+            <a:ext cx="6095980" cy="2286000"/>
           </a:xfrm>
         </p:spPr>
         <p:txBody>
@@ -16537,7 +16386,10 @@
           <a:lstStyle/>
           <a:p>
             <a:pPr algn="l"/>
-            <a:endParaRPr lang="en-US" sz="4400" dirty="0"/>
+            <a:r>
+              <a:rPr lang="en-US" sz="4400" dirty="0"/>
+              <a:t>Hospital Management System</a:t>
+            </a:r>
           </a:p>
         </p:txBody>
       </p:sp>
@@ -17485,7 +17337,7 @@
             <p:ph idx="1"/>
             <p:extLst>
               <p:ext uri="{D42A27DB-BD31-4B8C-83A1-F6EECF244321}">
-                <p14:modId xmlns:p14="http://schemas.microsoft.com/office/powerpoint/2010/main" val="2927482698"/>
+                <p14:modId xmlns:p14="http://schemas.microsoft.com/office/powerpoint/2010/main" val="3440954248"/>
               </p:ext>
             </p:extLst>
           </p:nvPr>
